--- a/presentations/ELISA-WG-Annual_Update.pptx
+++ b/presentations/ELISA-WG-Annual_Update.pptx
@@ -4100,7 +4100,15 @@
           <a:p>
             <a:r>
               <a:rPr lang="en-US" sz="1600" dirty="0"/>
-              <a:t>Active participation: 18 meetings, attendance of 4 to 13, average 7.1</a:t>
+              <a:t>Active participation</a:t>
+            </a:r>
+            <a:r>
+              <a:rPr lang="en-US" sz="1600"/>
+              <a:t>: 61 members; 18 </a:t>
+            </a:r>
+            <a:r>
+              <a:rPr lang="en-US" sz="1600" dirty="0"/>
+              <a:t>meetings, attendance of 4 to 13, average 7.1</a:t>
             </a:r>
           </a:p>
           <a:p>
